--- a/Docs/User's Guide/Imagery/_ModelBuild.pptx
+++ b/Docs/User's Guide/Imagery/_ModelBuild.pptx
@@ -4,6 +4,9 @@
   <p:sldMasterIdLst>
     <p:sldMasterId id="2147483648" r:id="rId1"/>
   </p:sldMasterIdLst>
+  <p:notesMasterIdLst>
+    <p:notesMasterId r:id="rId16"/>
+  </p:notesMasterIdLst>
   <p:sldIdLst>
     <p:sldId id="257" r:id="rId2"/>
     <p:sldId id="258" r:id="rId3"/>
@@ -16,7 +19,9 @@
     <p:sldId id="293" r:id="rId10"/>
     <p:sldId id="291" r:id="rId11"/>
     <p:sldId id="294" r:id="rId12"/>
-    <p:sldId id="256" r:id="rId13"/>
+    <p:sldId id="295" r:id="rId13"/>
+    <p:sldId id="296" r:id="rId14"/>
+    <p:sldId id="256" r:id="rId15"/>
   </p:sldIdLst>
   <p:sldSz cx="12192000" cy="6858000"/>
   <p:notesSz cx="6858000" cy="9144000"/>
@@ -139,6 +144,12 @@
             <p14:sldId id="293"/>
             <p14:sldId id="291"/>
             <p14:sldId id="294"/>
+            <p14:sldId id="295"/>
+          </p14:sldIdLst>
+        </p14:section>
+        <p14:section name="Observation Points" id="{C4BBF654-6B22-4E9D-BB36-4E910F5B1A22}">
+          <p14:sldIdLst>
+            <p14:sldId id="296"/>
           </p14:sldIdLst>
         </p14:section>
         <p14:section name="Unused Images" id="{C7D86EC3-75CF-4A87-84A1-F91916BC8AF9}">
@@ -153,6 +164,440 @@
     </p:ext>
   </p:extLst>
 </p:presentation>
+</file>
+
+<file path=ppt/notesMasters/notesMaster1.xml><?xml version="1.0" encoding="utf-8"?>
+<p:notesMaster xmlns:a="http://schemas.openxmlformats.org/drawingml/2006/main" xmlns:r="http://schemas.openxmlformats.org/officeDocument/2006/relationships" xmlns:p="http://schemas.openxmlformats.org/presentationml/2006/main">
+  <p:cSld>
+    <p:bg>
+      <p:bgRef idx="1001">
+        <a:schemeClr val="bg1"/>
+      </p:bgRef>
+    </p:bg>
+    <p:spTree>
+      <p:nvGrpSpPr>
+        <p:cNvPr id="1" name=""/>
+        <p:cNvGrpSpPr/>
+        <p:nvPr/>
+      </p:nvGrpSpPr>
+      <p:grpSpPr>
+        <a:xfrm>
+          <a:off x="0" y="0"/>
+          <a:ext cx="0" cy="0"/>
+          <a:chOff x="0" y="0"/>
+          <a:chExt cx="0" cy="0"/>
+        </a:xfrm>
+      </p:grpSpPr>
+      <p:sp>
+        <p:nvSpPr>
+          <p:cNvPr id="2" name="Header Placeholder 1"/>
+          <p:cNvSpPr>
+            <a:spLocks noGrp="1"/>
+          </p:cNvSpPr>
+          <p:nvPr>
+            <p:ph type="hdr" sz="quarter"/>
+          </p:nvPr>
+        </p:nvSpPr>
+        <p:spPr>
+          <a:xfrm>
+            <a:off x="0" y="0"/>
+            <a:ext cx="2971800" cy="458788"/>
+          </a:xfrm>
+          <a:prstGeom prst="rect">
+            <a:avLst/>
+          </a:prstGeom>
+        </p:spPr>
+        <p:txBody>
+          <a:bodyPr vert="horz" lIns="91440" tIns="45720" rIns="91440" bIns="45720" rtlCol="0"/>
+          <a:lstStyle>
+            <a:lvl1pPr algn="l">
+              <a:defRPr sz="1200"/>
+            </a:lvl1pPr>
+          </a:lstStyle>
+          <a:p>
+            <a:endParaRPr lang="en-CA"/>
+          </a:p>
+        </p:txBody>
+      </p:sp>
+      <p:sp>
+        <p:nvSpPr>
+          <p:cNvPr id="3" name="Date Placeholder 2"/>
+          <p:cNvSpPr>
+            <a:spLocks noGrp="1"/>
+          </p:cNvSpPr>
+          <p:nvPr>
+            <p:ph type="dt" idx="1"/>
+          </p:nvPr>
+        </p:nvSpPr>
+        <p:spPr>
+          <a:xfrm>
+            <a:off x="3884613" y="0"/>
+            <a:ext cx="2971800" cy="458788"/>
+          </a:xfrm>
+          <a:prstGeom prst="rect">
+            <a:avLst/>
+          </a:prstGeom>
+        </p:spPr>
+        <p:txBody>
+          <a:bodyPr vert="horz" lIns="91440" tIns="45720" rIns="91440" bIns="45720" rtlCol="0"/>
+          <a:lstStyle>
+            <a:lvl1pPr algn="r">
+              <a:defRPr sz="1200"/>
+            </a:lvl1pPr>
+          </a:lstStyle>
+          <a:p>
+            <a:fld id="{B2691F80-28E9-41AF-91A5-99319DE0CC6E}" type="datetimeFigureOut">
+              <a:rPr lang="en-CA" smtClean="0"/>
+              <a:t>2025-12-14</a:t>
+            </a:fld>
+            <a:endParaRPr lang="en-CA"/>
+          </a:p>
+        </p:txBody>
+      </p:sp>
+      <p:sp>
+        <p:nvSpPr>
+          <p:cNvPr id="4" name="Slide Image Placeholder 3"/>
+          <p:cNvSpPr>
+            <a:spLocks noGrp="1" noRot="1" noChangeAspect="1"/>
+          </p:cNvSpPr>
+          <p:nvPr>
+            <p:ph type="sldImg" idx="2"/>
+          </p:nvPr>
+        </p:nvSpPr>
+        <p:spPr>
+          <a:xfrm>
+            <a:off x="685800" y="1143000"/>
+            <a:ext cx="5486400" cy="3086100"/>
+          </a:xfrm>
+          <a:prstGeom prst="rect">
+            <a:avLst/>
+          </a:prstGeom>
+          <a:noFill/>
+          <a:ln w="12700">
+            <a:solidFill>
+              <a:prstClr val="black"/>
+            </a:solidFill>
+          </a:ln>
+        </p:spPr>
+        <p:txBody>
+          <a:bodyPr vert="horz" lIns="91440" tIns="45720" rIns="91440" bIns="45720" rtlCol="0" anchor="ctr"/>
+          <a:lstStyle/>
+          <a:p>
+            <a:endParaRPr lang="en-CA"/>
+          </a:p>
+        </p:txBody>
+      </p:sp>
+      <p:sp>
+        <p:nvSpPr>
+          <p:cNvPr id="5" name="Notes Placeholder 4"/>
+          <p:cNvSpPr>
+            <a:spLocks noGrp="1"/>
+          </p:cNvSpPr>
+          <p:nvPr>
+            <p:ph type="body" sz="quarter" idx="3"/>
+          </p:nvPr>
+        </p:nvSpPr>
+        <p:spPr>
+          <a:xfrm>
+            <a:off x="685800" y="4400550"/>
+            <a:ext cx="5486400" cy="3600450"/>
+          </a:xfrm>
+          <a:prstGeom prst="rect">
+            <a:avLst/>
+          </a:prstGeom>
+        </p:spPr>
+        <p:txBody>
+          <a:bodyPr vert="horz" lIns="91440" tIns="45720" rIns="91440" bIns="45720" rtlCol="0"/>
+          <a:lstStyle/>
+          <a:p>
+            <a:pPr lvl="0"/>
+            <a:r>
+              <a:rPr lang="en-US"/>
+              <a:t>Click to edit Master text styles</a:t>
+            </a:r>
+          </a:p>
+          <a:p>
+            <a:pPr lvl="1"/>
+            <a:r>
+              <a:rPr lang="en-US"/>
+              <a:t>Second level</a:t>
+            </a:r>
+          </a:p>
+          <a:p>
+            <a:pPr lvl="2"/>
+            <a:r>
+              <a:rPr lang="en-US"/>
+              <a:t>Third level</a:t>
+            </a:r>
+          </a:p>
+          <a:p>
+            <a:pPr lvl="3"/>
+            <a:r>
+              <a:rPr lang="en-US"/>
+              <a:t>Fourth level</a:t>
+            </a:r>
+          </a:p>
+          <a:p>
+            <a:pPr lvl="4"/>
+            <a:r>
+              <a:rPr lang="en-US"/>
+              <a:t>Fifth level</a:t>
+            </a:r>
+            <a:endParaRPr lang="en-CA"/>
+          </a:p>
+        </p:txBody>
+      </p:sp>
+      <p:sp>
+        <p:nvSpPr>
+          <p:cNvPr id="6" name="Footer Placeholder 5"/>
+          <p:cNvSpPr>
+            <a:spLocks noGrp="1"/>
+          </p:cNvSpPr>
+          <p:nvPr>
+            <p:ph type="ftr" sz="quarter" idx="4"/>
+          </p:nvPr>
+        </p:nvSpPr>
+        <p:spPr>
+          <a:xfrm>
+            <a:off x="0" y="8685213"/>
+            <a:ext cx="2971800" cy="458787"/>
+          </a:xfrm>
+          <a:prstGeom prst="rect">
+            <a:avLst/>
+          </a:prstGeom>
+        </p:spPr>
+        <p:txBody>
+          <a:bodyPr vert="horz" lIns="91440" tIns="45720" rIns="91440" bIns="45720" rtlCol="0" anchor="b"/>
+          <a:lstStyle>
+            <a:lvl1pPr algn="l">
+              <a:defRPr sz="1200"/>
+            </a:lvl1pPr>
+          </a:lstStyle>
+          <a:p>
+            <a:endParaRPr lang="en-CA"/>
+          </a:p>
+        </p:txBody>
+      </p:sp>
+      <p:sp>
+        <p:nvSpPr>
+          <p:cNvPr id="7" name="Slide Number Placeholder 6"/>
+          <p:cNvSpPr>
+            <a:spLocks noGrp="1"/>
+          </p:cNvSpPr>
+          <p:nvPr>
+            <p:ph type="sldNum" sz="quarter" idx="5"/>
+          </p:nvPr>
+        </p:nvSpPr>
+        <p:spPr>
+          <a:xfrm>
+            <a:off x="3884613" y="8685213"/>
+            <a:ext cx="2971800" cy="458787"/>
+          </a:xfrm>
+          <a:prstGeom prst="rect">
+            <a:avLst/>
+          </a:prstGeom>
+        </p:spPr>
+        <p:txBody>
+          <a:bodyPr vert="horz" lIns="91440" tIns="45720" rIns="91440" bIns="45720" rtlCol="0" anchor="b"/>
+          <a:lstStyle>
+            <a:lvl1pPr algn="r">
+              <a:defRPr sz="1200"/>
+            </a:lvl1pPr>
+          </a:lstStyle>
+          <a:p>
+            <a:fld id="{720CC805-9DE6-4729-BC99-D8D94FDEB6DF}" type="slidenum">
+              <a:rPr lang="en-CA" smtClean="0"/>
+              <a:t>‹#›</a:t>
+            </a:fld>
+            <a:endParaRPr lang="en-CA"/>
+          </a:p>
+        </p:txBody>
+      </p:sp>
+    </p:spTree>
+    <p:extLst>
+      <p:ext uri="{BB962C8B-B14F-4D97-AF65-F5344CB8AC3E}">
+        <p14:creationId xmlns:p14="http://schemas.microsoft.com/office/powerpoint/2010/main" val="2132018997"/>
+      </p:ext>
+    </p:extLst>
+  </p:cSld>
+  <p:clrMap bg1="lt1" tx1="dk1" bg2="lt2" tx2="dk2" accent1="accent1" accent2="accent2" accent3="accent3" accent4="accent4" accent5="accent5" accent6="accent6" hlink="hlink" folHlink="folHlink"/>
+  <p:notesStyle>
+    <a:lvl1pPr marL="0" algn="l" defTabSz="914400" rtl="0" eaLnBrk="1" latinLnBrk="0" hangingPunct="1">
+      <a:defRPr sz="1200" kern="1200">
+        <a:solidFill>
+          <a:schemeClr val="tx1"/>
+        </a:solidFill>
+        <a:latin typeface="+mn-lt"/>
+        <a:ea typeface="+mn-ea"/>
+        <a:cs typeface="+mn-cs"/>
+      </a:defRPr>
+    </a:lvl1pPr>
+    <a:lvl2pPr marL="457200" algn="l" defTabSz="914400" rtl="0" eaLnBrk="1" latinLnBrk="0" hangingPunct="1">
+      <a:defRPr sz="1200" kern="1200">
+        <a:solidFill>
+          <a:schemeClr val="tx1"/>
+        </a:solidFill>
+        <a:latin typeface="+mn-lt"/>
+        <a:ea typeface="+mn-ea"/>
+        <a:cs typeface="+mn-cs"/>
+      </a:defRPr>
+    </a:lvl2pPr>
+    <a:lvl3pPr marL="914400" algn="l" defTabSz="914400" rtl="0" eaLnBrk="1" latinLnBrk="0" hangingPunct="1">
+      <a:defRPr sz="1200" kern="1200">
+        <a:solidFill>
+          <a:schemeClr val="tx1"/>
+        </a:solidFill>
+        <a:latin typeface="+mn-lt"/>
+        <a:ea typeface="+mn-ea"/>
+        <a:cs typeface="+mn-cs"/>
+      </a:defRPr>
+    </a:lvl3pPr>
+    <a:lvl4pPr marL="1371600" algn="l" defTabSz="914400" rtl="0" eaLnBrk="1" latinLnBrk="0" hangingPunct="1">
+      <a:defRPr sz="1200" kern="1200">
+        <a:solidFill>
+          <a:schemeClr val="tx1"/>
+        </a:solidFill>
+        <a:latin typeface="+mn-lt"/>
+        <a:ea typeface="+mn-ea"/>
+        <a:cs typeface="+mn-cs"/>
+      </a:defRPr>
+    </a:lvl4pPr>
+    <a:lvl5pPr marL="1828800" algn="l" defTabSz="914400" rtl="0" eaLnBrk="1" latinLnBrk="0" hangingPunct="1">
+      <a:defRPr sz="1200" kern="1200">
+        <a:solidFill>
+          <a:schemeClr val="tx1"/>
+        </a:solidFill>
+        <a:latin typeface="+mn-lt"/>
+        <a:ea typeface="+mn-ea"/>
+        <a:cs typeface="+mn-cs"/>
+      </a:defRPr>
+    </a:lvl5pPr>
+    <a:lvl6pPr marL="2286000" algn="l" defTabSz="914400" rtl="0" eaLnBrk="1" latinLnBrk="0" hangingPunct="1">
+      <a:defRPr sz="1200" kern="1200">
+        <a:solidFill>
+          <a:schemeClr val="tx1"/>
+        </a:solidFill>
+        <a:latin typeface="+mn-lt"/>
+        <a:ea typeface="+mn-ea"/>
+        <a:cs typeface="+mn-cs"/>
+      </a:defRPr>
+    </a:lvl6pPr>
+    <a:lvl7pPr marL="2743200" algn="l" defTabSz="914400" rtl="0" eaLnBrk="1" latinLnBrk="0" hangingPunct="1">
+      <a:defRPr sz="1200" kern="1200">
+        <a:solidFill>
+          <a:schemeClr val="tx1"/>
+        </a:solidFill>
+        <a:latin typeface="+mn-lt"/>
+        <a:ea typeface="+mn-ea"/>
+        <a:cs typeface="+mn-cs"/>
+      </a:defRPr>
+    </a:lvl7pPr>
+    <a:lvl8pPr marL="3200400" algn="l" defTabSz="914400" rtl="0" eaLnBrk="1" latinLnBrk="0" hangingPunct="1">
+      <a:defRPr sz="1200" kern="1200">
+        <a:solidFill>
+          <a:schemeClr val="tx1"/>
+        </a:solidFill>
+        <a:latin typeface="+mn-lt"/>
+        <a:ea typeface="+mn-ea"/>
+        <a:cs typeface="+mn-cs"/>
+      </a:defRPr>
+    </a:lvl8pPr>
+    <a:lvl9pPr marL="3657600" algn="l" defTabSz="914400" rtl="0" eaLnBrk="1" latinLnBrk="0" hangingPunct="1">
+      <a:defRPr sz="1200" kern="1200">
+        <a:solidFill>
+          <a:schemeClr val="tx1"/>
+        </a:solidFill>
+        <a:latin typeface="+mn-lt"/>
+        <a:ea typeface="+mn-ea"/>
+        <a:cs typeface="+mn-cs"/>
+      </a:defRPr>
+    </a:lvl9pPr>
+  </p:notesStyle>
+</p:notesMaster>
+</file>
+
+<file path=ppt/notesSlides/notesSlide1.xml><?xml version="1.0" encoding="utf-8"?>
+<p:notes xmlns:a="http://schemas.openxmlformats.org/drawingml/2006/main" xmlns:r="http://schemas.openxmlformats.org/officeDocument/2006/relationships" xmlns:p="http://schemas.openxmlformats.org/presentationml/2006/main">
+  <p:cSld>
+    <p:spTree>
+      <p:nvGrpSpPr>
+        <p:cNvPr id="1" name=""/>
+        <p:cNvGrpSpPr/>
+        <p:nvPr/>
+      </p:nvGrpSpPr>
+      <p:grpSpPr>
+        <a:xfrm>
+          <a:off x="0" y="0"/>
+          <a:ext cx="0" cy="0"/>
+          <a:chOff x="0" y="0"/>
+          <a:chExt cx="0" cy="0"/>
+        </a:xfrm>
+      </p:grpSpPr>
+      <p:sp>
+        <p:nvSpPr>
+          <p:cNvPr id="2" name="Slide Image Placeholder 1"/>
+          <p:cNvSpPr>
+            <a:spLocks noGrp="1" noRot="1" noChangeAspect="1"/>
+          </p:cNvSpPr>
+          <p:nvPr>
+            <p:ph type="sldImg"/>
+          </p:nvPr>
+        </p:nvSpPr>
+        <p:spPr/>
+      </p:sp>
+      <p:sp>
+        <p:nvSpPr>
+          <p:cNvPr id="3" name="Notes Placeholder 2"/>
+          <p:cNvSpPr>
+            <a:spLocks noGrp="1"/>
+          </p:cNvSpPr>
+          <p:nvPr>
+            <p:ph type="body" idx="1"/>
+          </p:nvPr>
+        </p:nvSpPr>
+        <p:spPr/>
+        <p:txBody>
+          <a:bodyPr/>
+          <a:lstStyle/>
+          <a:p>
+            <a:endParaRPr lang="en-CA"/>
+          </a:p>
+        </p:txBody>
+      </p:sp>
+      <p:sp>
+        <p:nvSpPr>
+          <p:cNvPr id="4" name="Slide Number Placeholder 3"/>
+          <p:cNvSpPr>
+            <a:spLocks noGrp="1"/>
+          </p:cNvSpPr>
+          <p:nvPr>
+            <p:ph type="sldNum" sz="quarter" idx="5"/>
+          </p:nvPr>
+        </p:nvSpPr>
+        <p:spPr/>
+        <p:txBody>
+          <a:bodyPr/>
+          <a:lstStyle/>
+          <a:p>
+            <a:fld id="{720CC805-9DE6-4729-BC99-D8D94FDEB6DF}" type="slidenum">
+              <a:rPr lang="en-CA" smtClean="0"/>
+              <a:t>10</a:t>
+            </a:fld>
+            <a:endParaRPr lang="en-CA"/>
+          </a:p>
+        </p:txBody>
+      </p:sp>
+    </p:spTree>
+    <p:extLst>
+      <p:ext uri="{BB962C8B-B14F-4D97-AF65-F5344CB8AC3E}">
+        <p14:creationId xmlns:p14="http://schemas.microsoft.com/office/powerpoint/2010/main" val="2582418637"/>
+      </p:ext>
+    </p:extLst>
+  </p:cSld>
+  <p:clrMapOvr>
+    <a:masterClrMapping/>
+  </p:clrMapOvr>
+</p:notes>
 </file>
 
 <file path=ppt/slideLayouts/slideLayout1.xml><?xml version="1.0" encoding="utf-8"?>
@@ -3549,7 +3994,7 @@
             <p:nvPr/>
           </p:nvPicPr>
           <p:blipFill>
-            <a:blip r:embed="rId2"/>
+            <a:blip r:embed="rId3"/>
             <a:stretch>
               <a:fillRect/>
             </a:stretch>
@@ -3636,36 +4081,6 @@
           <a:chExt cx="0" cy="0"/>
         </a:xfrm>
       </p:grpSpPr>
-      <p:pic>
-        <p:nvPicPr>
-          <p:cNvPr id="10" name="Picture 9" descr="A screenshot of a computer&#10;&#10;AI-generated content may be incorrect.">
-            <a:extLst>
-              <a:ext uri="{FF2B5EF4-FFF2-40B4-BE49-F238E27FC236}">
-                <a16:creationId xmlns:a16="http://schemas.microsoft.com/office/drawing/2014/main" id="{CA359FCC-1B5E-0ADB-252A-561A9035EAAC}"/>
-              </a:ext>
-            </a:extLst>
-          </p:cNvPr>
-          <p:cNvPicPr>
-            <a:picLocks noChangeAspect="1"/>
-          </p:cNvPicPr>
-          <p:nvPr/>
-        </p:nvPicPr>
-        <p:blipFill>
-          <a:blip r:embed="rId2"/>
-          <a:stretch>
-            <a:fillRect/>
-          </a:stretch>
-        </p:blipFill>
-        <p:spPr>
-          <a:xfrm>
-            <a:off x="545648" y="-16329"/>
-            <a:ext cx="10423478" cy="6858000"/>
-          </a:xfrm>
-          <a:prstGeom prst="rect">
-            <a:avLst/>
-          </a:prstGeom>
-        </p:spPr>
-      </p:pic>
       <p:sp>
         <p:nvSpPr>
           <p:cNvPr id="2" name="Title 1">
@@ -3691,220 +4106,271 @@
           <a:p>
             <a:r>
               <a:rPr lang="en-US"/>
-              <a:t>MUT_IHeadFromTecplot_1.png</a:t>
+              <a:t>MUT_IHeadFromTecplot.png</a:t>
             </a:r>
             <a:endParaRPr lang="en-CA"/>
           </a:p>
         </p:txBody>
       </p:sp>
-      <p:sp>
-        <p:nvSpPr>
-          <p:cNvPr id="5" name="Rectangle 4">
-            <a:extLst>
-              <a:ext uri="{FF2B5EF4-FFF2-40B4-BE49-F238E27FC236}">
-                <a16:creationId xmlns:a16="http://schemas.microsoft.com/office/drawing/2014/main" id="{506CC024-A0B2-9523-0C54-E7859E52BE1E}"/>
-              </a:ext>
-            </a:extLst>
-          </p:cNvPr>
-          <p:cNvSpPr/>
+      <p:grpSp>
+        <p:nvGrpSpPr>
+          <p:cNvPr id="14" name="Group 13">
+            <a:extLst>
+              <a:ext uri="{FF2B5EF4-FFF2-40B4-BE49-F238E27FC236}">
+                <a16:creationId xmlns:a16="http://schemas.microsoft.com/office/drawing/2014/main" id="{5482A94E-9FB2-6069-4D0D-FCAD9B2194E6}"/>
+              </a:ext>
+            </a:extLst>
+          </p:cNvPr>
+          <p:cNvGrpSpPr/>
           <p:nvPr/>
-        </p:nvSpPr>
-        <p:spPr>
+        </p:nvGrpSpPr>
+        <p:grpSpPr>
           <a:xfrm>
-            <a:off x="3648075" y="3457575"/>
-            <a:ext cx="457200" cy="200026"/>
+            <a:off x="923925" y="78906"/>
+            <a:ext cx="10465969" cy="6779094"/>
+            <a:chOff x="923925" y="78906"/>
+            <a:chExt cx="10465969" cy="6779094"/>
           </a:xfrm>
-          <a:prstGeom prst="rect">
-            <a:avLst/>
-          </a:prstGeom>
-          <a:noFill/>
-          <a:ln w="47625">
-            <a:solidFill>
-              <a:schemeClr val="accent2"/>
-            </a:solidFill>
-          </a:ln>
-        </p:spPr>
-        <p:style>
-          <a:lnRef idx="2">
-            <a:schemeClr val="accent1">
-              <a:shade val="15000"/>
-            </a:schemeClr>
-          </a:lnRef>
-          <a:fillRef idx="1">
-            <a:schemeClr val="accent1"/>
-          </a:fillRef>
-          <a:effectRef idx="0">
-            <a:schemeClr val="accent1"/>
-          </a:effectRef>
-          <a:fontRef idx="minor">
-            <a:schemeClr val="lt1"/>
-          </a:fontRef>
-        </p:style>
-        <p:txBody>
-          <a:bodyPr rtlCol="0" anchor="ctr"/>
-          <a:lstStyle/>
-          <a:p>
-            <a:pPr algn="ctr"/>
-            <a:endParaRPr lang="en-CA"/>
-          </a:p>
-        </p:txBody>
-      </p:sp>
-      <p:sp>
-        <p:nvSpPr>
-          <p:cNvPr id="6" name="Rectangle 5">
-            <a:extLst>
-              <a:ext uri="{FF2B5EF4-FFF2-40B4-BE49-F238E27FC236}">
-                <a16:creationId xmlns:a16="http://schemas.microsoft.com/office/drawing/2014/main" id="{6AE3C05D-C190-4A22-8C07-211380B89731}"/>
-              </a:ext>
-            </a:extLst>
-          </p:cNvPr>
-          <p:cNvSpPr/>
-          <p:nvPr/>
-        </p:nvSpPr>
-        <p:spPr>
-          <a:xfrm>
-            <a:off x="3539014" y="4871604"/>
-            <a:ext cx="1037273" cy="181842"/>
-          </a:xfrm>
-          <a:prstGeom prst="rect">
-            <a:avLst/>
-          </a:prstGeom>
-          <a:noFill/>
-          <a:ln w="47625">
-            <a:solidFill>
-              <a:schemeClr val="accent2"/>
-            </a:solidFill>
-          </a:ln>
-        </p:spPr>
-        <p:style>
-          <a:lnRef idx="2">
-            <a:schemeClr val="accent1">
-              <a:shade val="15000"/>
-            </a:schemeClr>
-          </a:lnRef>
-          <a:fillRef idx="1">
-            <a:schemeClr val="accent1"/>
-          </a:fillRef>
-          <a:effectRef idx="0">
-            <a:schemeClr val="accent1"/>
-          </a:effectRef>
-          <a:fontRef idx="minor">
-            <a:schemeClr val="lt1"/>
-          </a:fontRef>
-        </p:style>
-        <p:txBody>
-          <a:bodyPr rtlCol="0" anchor="ctr"/>
-          <a:lstStyle/>
-          <a:p>
-            <a:pPr algn="ctr"/>
-            <a:endParaRPr lang="en-CA"/>
-          </a:p>
-        </p:txBody>
-      </p:sp>
-      <p:sp>
-        <p:nvSpPr>
-          <p:cNvPr id="7" name="Rectangle 6">
-            <a:extLst>
-              <a:ext uri="{FF2B5EF4-FFF2-40B4-BE49-F238E27FC236}">
-                <a16:creationId xmlns:a16="http://schemas.microsoft.com/office/drawing/2014/main" id="{A41C15F9-293E-49F4-B428-AD87AB311078}"/>
-              </a:ext>
-            </a:extLst>
-          </p:cNvPr>
-          <p:cNvSpPr/>
-          <p:nvPr/>
-        </p:nvSpPr>
-        <p:spPr>
-          <a:xfrm>
-            <a:off x="4576287" y="3931569"/>
-            <a:ext cx="485775" cy="167118"/>
-          </a:xfrm>
-          <a:prstGeom prst="rect">
-            <a:avLst/>
-          </a:prstGeom>
-          <a:noFill/>
-          <a:ln w="47625">
-            <a:solidFill>
-              <a:schemeClr val="accent2"/>
-            </a:solidFill>
-          </a:ln>
-        </p:spPr>
-        <p:style>
-          <a:lnRef idx="2">
-            <a:schemeClr val="accent1">
-              <a:shade val="15000"/>
-            </a:schemeClr>
-          </a:lnRef>
-          <a:fillRef idx="1">
-            <a:schemeClr val="accent1"/>
-          </a:fillRef>
-          <a:effectRef idx="0">
-            <a:schemeClr val="accent1"/>
-          </a:effectRef>
-          <a:fontRef idx="minor">
-            <a:schemeClr val="lt1"/>
-          </a:fontRef>
-        </p:style>
-        <p:txBody>
-          <a:bodyPr rtlCol="0" anchor="ctr"/>
-          <a:lstStyle/>
-          <a:p>
-            <a:pPr algn="ctr"/>
-            <a:endParaRPr lang="en-CA"/>
-          </a:p>
-        </p:txBody>
-      </p:sp>
-      <p:sp>
-        <p:nvSpPr>
-          <p:cNvPr id="8" name="Rectangle 7">
-            <a:extLst>
-              <a:ext uri="{FF2B5EF4-FFF2-40B4-BE49-F238E27FC236}">
-                <a16:creationId xmlns:a16="http://schemas.microsoft.com/office/drawing/2014/main" id="{0E9B6BD4-B916-66E1-C25A-8BEF9B610AA6}"/>
-              </a:ext>
-            </a:extLst>
-          </p:cNvPr>
-          <p:cNvSpPr/>
-          <p:nvPr/>
-        </p:nvSpPr>
-        <p:spPr>
-          <a:xfrm>
-            <a:off x="5925457" y="3931569"/>
-            <a:ext cx="587788" cy="167118"/>
-          </a:xfrm>
-          <a:prstGeom prst="rect">
-            <a:avLst/>
-          </a:prstGeom>
-          <a:noFill/>
-          <a:ln w="47625">
-            <a:solidFill>
-              <a:schemeClr val="accent2"/>
-            </a:solidFill>
-          </a:ln>
-        </p:spPr>
-        <p:style>
-          <a:lnRef idx="2">
-            <a:schemeClr val="accent1">
-              <a:shade val="15000"/>
-            </a:schemeClr>
-          </a:lnRef>
-          <a:fillRef idx="1">
-            <a:schemeClr val="accent1"/>
-          </a:fillRef>
-          <a:effectRef idx="0">
-            <a:schemeClr val="accent1"/>
-          </a:effectRef>
-          <a:fontRef idx="minor">
-            <a:schemeClr val="lt1"/>
-          </a:fontRef>
-        </p:style>
-        <p:txBody>
-          <a:bodyPr rtlCol="0" anchor="ctr"/>
-          <a:lstStyle/>
-          <a:p>
-            <a:pPr algn="ctr"/>
-            <a:endParaRPr lang="en-CA"/>
-          </a:p>
-        </p:txBody>
-      </p:sp>
+        </p:grpSpPr>
+        <p:pic>
+          <p:nvPicPr>
+            <p:cNvPr id="13" name="Picture 12" descr="A screenshot of a computer&#10;&#10;AI-generated content may be incorrect.">
+              <a:extLst>
+                <a:ext uri="{FF2B5EF4-FFF2-40B4-BE49-F238E27FC236}">
+                  <a16:creationId xmlns:a16="http://schemas.microsoft.com/office/drawing/2014/main" id="{E9AABAE8-D820-B893-1316-EEFA1BB5DAF2}"/>
+                </a:ext>
+              </a:extLst>
+            </p:cNvPr>
+            <p:cNvPicPr>
+              <a:picLocks noChangeAspect="1"/>
+            </p:cNvPicPr>
+            <p:nvPr/>
+          </p:nvPicPr>
+          <p:blipFill>
+            <a:blip r:embed="rId2"/>
+            <a:stretch>
+              <a:fillRect/>
+            </a:stretch>
+          </p:blipFill>
+          <p:spPr>
+            <a:xfrm>
+              <a:off x="923925" y="78906"/>
+              <a:ext cx="10465969" cy="6779094"/>
+            </a:xfrm>
+            <a:prstGeom prst="rect">
+              <a:avLst/>
+            </a:prstGeom>
+          </p:spPr>
+        </p:pic>
+        <p:sp>
+          <p:nvSpPr>
+            <p:cNvPr id="5" name="Rectangle 4">
+              <a:extLst>
+                <a:ext uri="{FF2B5EF4-FFF2-40B4-BE49-F238E27FC236}">
+                  <a16:creationId xmlns:a16="http://schemas.microsoft.com/office/drawing/2014/main" id="{506CC024-A0B2-9523-0C54-E7859E52BE1E}"/>
+                </a:ext>
+              </a:extLst>
+            </p:cNvPr>
+            <p:cNvSpPr/>
+            <p:nvPr/>
+          </p:nvSpPr>
+          <p:spPr>
+            <a:xfrm>
+              <a:off x="3704908" y="3387308"/>
+              <a:ext cx="435363" cy="193517"/>
+            </a:xfrm>
+            <a:prstGeom prst="rect">
+              <a:avLst/>
+            </a:prstGeom>
+            <a:noFill/>
+            <a:ln w="47625">
+              <a:solidFill>
+                <a:schemeClr val="accent2"/>
+              </a:solidFill>
+            </a:ln>
+          </p:spPr>
+          <p:style>
+            <a:lnRef idx="2">
+              <a:schemeClr val="accent1">
+                <a:shade val="15000"/>
+              </a:schemeClr>
+            </a:lnRef>
+            <a:fillRef idx="1">
+              <a:schemeClr val="accent1"/>
+            </a:fillRef>
+            <a:effectRef idx="0">
+              <a:schemeClr val="accent1"/>
+            </a:effectRef>
+            <a:fontRef idx="minor">
+              <a:schemeClr val="lt1"/>
+            </a:fontRef>
+          </p:style>
+          <p:txBody>
+            <a:bodyPr rtlCol="0" anchor="ctr"/>
+            <a:lstStyle/>
+            <a:p>
+              <a:pPr algn="ctr"/>
+              <a:endParaRPr lang="en-CA"/>
+            </a:p>
+          </p:txBody>
+        </p:sp>
+        <p:sp>
+          <p:nvSpPr>
+            <p:cNvPr id="6" name="Rectangle 5">
+              <a:extLst>
+                <a:ext uri="{FF2B5EF4-FFF2-40B4-BE49-F238E27FC236}">
+                  <a16:creationId xmlns:a16="http://schemas.microsoft.com/office/drawing/2014/main" id="{6AE3C05D-C190-4A22-8C07-211380B89731}"/>
+                </a:ext>
+              </a:extLst>
+            </p:cNvPr>
+            <p:cNvSpPr/>
+            <p:nvPr/>
+          </p:nvSpPr>
+          <p:spPr>
+            <a:xfrm>
+              <a:off x="3635982" y="4955252"/>
+              <a:ext cx="987731" cy="175924"/>
+            </a:xfrm>
+            <a:prstGeom prst="rect">
+              <a:avLst/>
+            </a:prstGeom>
+            <a:noFill/>
+            <a:ln w="47625">
+              <a:solidFill>
+                <a:schemeClr val="accent2"/>
+              </a:solidFill>
+            </a:ln>
+          </p:spPr>
+          <p:style>
+            <a:lnRef idx="2">
+              <a:schemeClr val="accent1">
+                <a:shade val="15000"/>
+              </a:schemeClr>
+            </a:lnRef>
+            <a:fillRef idx="1">
+              <a:schemeClr val="accent1"/>
+            </a:fillRef>
+            <a:effectRef idx="0">
+              <a:schemeClr val="accent1"/>
+            </a:effectRef>
+            <a:fontRef idx="minor">
+              <a:schemeClr val="lt1"/>
+            </a:fontRef>
+          </p:style>
+          <p:txBody>
+            <a:bodyPr rtlCol="0" anchor="ctr"/>
+            <a:lstStyle/>
+            <a:p>
+              <a:pPr algn="ctr"/>
+              <a:endParaRPr lang="en-CA"/>
+            </a:p>
+          </p:txBody>
+        </p:sp>
+        <p:sp>
+          <p:nvSpPr>
+            <p:cNvPr id="7" name="Rectangle 6">
+              <a:extLst>
+                <a:ext uri="{FF2B5EF4-FFF2-40B4-BE49-F238E27FC236}">
+                  <a16:creationId xmlns:a16="http://schemas.microsoft.com/office/drawing/2014/main" id="{A41C15F9-293E-49F4-B428-AD87AB311078}"/>
+                </a:ext>
+              </a:extLst>
+            </p:cNvPr>
+            <p:cNvSpPr/>
+            <p:nvPr/>
+          </p:nvSpPr>
+          <p:spPr>
+            <a:xfrm>
+              <a:off x="7331467" y="5154749"/>
+              <a:ext cx="462573" cy="161679"/>
+            </a:xfrm>
+            <a:prstGeom prst="rect">
+              <a:avLst/>
+            </a:prstGeom>
+            <a:noFill/>
+            <a:ln w="47625">
+              <a:solidFill>
+                <a:schemeClr val="accent2"/>
+              </a:solidFill>
+            </a:ln>
+          </p:spPr>
+          <p:style>
+            <a:lnRef idx="2">
+              <a:schemeClr val="accent1">
+                <a:shade val="15000"/>
+              </a:schemeClr>
+            </a:lnRef>
+            <a:fillRef idx="1">
+              <a:schemeClr val="accent1"/>
+            </a:fillRef>
+            <a:effectRef idx="0">
+              <a:schemeClr val="accent1"/>
+            </a:effectRef>
+            <a:fontRef idx="minor">
+              <a:schemeClr val="lt1"/>
+            </a:fontRef>
+          </p:style>
+          <p:txBody>
+            <a:bodyPr rtlCol="0" anchor="ctr"/>
+            <a:lstStyle/>
+            <a:p>
+              <a:pPr algn="ctr"/>
+              <a:endParaRPr lang="en-CA"/>
+            </a:p>
+          </p:txBody>
+        </p:sp>
+        <p:sp>
+          <p:nvSpPr>
+            <p:cNvPr id="8" name="Rectangle 7">
+              <a:extLst>
+                <a:ext uri="{FF2B5EF4-FFF2-40B4-BE49-F238E27FC236}">
+                  <a16:creationId xmlns:a16="http://schemas.microsoft.com/office/drawing/2014/main" id="{0E9B6BD4-B916-66E1-C25A-8BEF9B610AA6}"/>
+                </a:ext>
+              </a:extLst>
+            </p:cNvPr>
+            <p:cNvSpPr/>
+            <p:nvPr/>
+          </p:nvSpPr>
+          <p:spPr>
+            <a:xfrm>
+              <a:off x="9206498" y="5297624"/>
+              <a:ext cx="744979" cy="161679"/>
+            </a:xfrm>
+            <a:prstGeom prst="rect">
+              <a:avLst/>
+            </a:prstGeom>
+            <a:noFill/>
+            <a:ln w="47625">
+              <a:solidFill>
+                <a:schemeClr val="accent2"/>
+              </a:solidFill>
+            </a:ln>
+          </p:spPr>
+          <p:style>
+            <a:lnRef idx="2">
+              <a:schemeClr val="accent1">
+                <a:shade val="15000"/>
+              </a:schemeClr>
+            </a:lnRef>
+            <a:fillRef idx="1">
+              <a:schemeClr val="accent1"/>
+            </a:fillRef>
+            <a:effectRef idx="0">
+              <a:schemeClr val="accent1"/>
+            </a:effectRef>
+            <a:fontRef idx="minor">
+              <a:schemeClr val="lt1"/>
+            </a:fontRef>
+          </p:style>
+          <p:txBody>
+            <a:bodyPr rtlCol="0" anchor="ctr"/>
+            <a:lstStyle/>
+            <a:p>
+              <a:pPr algn="ctr"/>
+              <a:endParaRPr lang="en-CA"/>
+            </a:p>
+          </p:txBody>
+        </p:sp>
+      </p:grpSp>
     </p:spTree>
     <p:extLst>
       <p:ext uri="{BB962C8B-B14F-4D97-AF65-F5344CB8AC3E}">
@@ -3919,6 +4385,795 @@
 </file>
 
 <file path=ppt/slides/slide12.xml><?xml version="1.0" encoding="utf-8"?>
+<p:sld xmlns:a="http://schemas.openxmlformats.org/drawingml/2006/main" xmlns:r="http://schemas.openxmlformats.org/officeDocument/2006/relationships" xmlns:p="http://schemas.openxmlformats.org/presentationml/2006/main">
+  <p:cSld>
+    <p:spTree>
+      <p:nvGrpSpPr>
+        <p:cNvPr id="1" name=""/>
+        <p:cNvGrpSpPr/>
+        <p:nvPr/>
+      </p:nvGrpSpPr>
+      <p:grpSpPr>
+        <a:xfrm>
+          <a:off x="0" y="0"/>
+          <a:ext cx="0" cy="0"/>
+          <a:chOff x="0" y="0"/>
+          <a:chExt cx="0" cy="0"/>
+        </a:xfrm>
+      </p:grpSpPr>
+      <p:sp>
+        <p:nvSpPr>
+          <p:cNvPr id="2" name="Title 1">
+            <a:extLst>
+              <a:ext uri="{FF2B5EF4-FFF2-40B4-BE49-F238E27FC236}">
+                <a16:creationId xmlns:a16="http://schemas.microsoft.com/office/drawing/2014/main" id="{B84EEB4D-7A53-6F70-6BCB-5E3F1485388D}"/>
+              </a:ext>
+            </a:extLst>
+          </p:cNvPr>
+          <p:cNvSpPr>
+            <a:spLocks noGrp="1"/>
+          </p:cNvSpPr>
+          <p:nvPr>
+            <p:ph type="title"/>
+          </p:nvPr>
+        </p:nvSpPr>
+        <p:spPr/>
+        <p:txBody>
+          <a:bodyPr>
+            <a:normAutofit fontScale="90000"/>
+          </a:bodyPr>
+          <a:lstStyle/>
+          <a:p>
+            <a:r>
+              <a:rPr lang="en-US"/>
+              <a:t>MUT_IHeadFromTecplot_2.png</a:t>
+            </a:r>
+            <a:endParaRPr lang="en-CA"/>
+          </a:p>
+        </p:txBody>
+      </p:sp>
+      <p:grpSp>
+        <p:nvGrpSpPr>
+          <p:cNvPr id="29" name="Group 28">
+            <a:extLst>
+              <a:ext uri="{FF2B5EF4-FFF2-40B4-BE49-F238E27FC236}">
+                <a16:creationId xmlns:a16="http://schemas.microsoft.com/office/drawing/2014/main" id="{579E2E4E-E47A-0B6C-E07E-53E0CFC2C92F}"/>
+              </a:ext>
+            </a:extLst>
+          </p:cNvPr>
+          <p:cNvGrpSpPr/>
+          <p:nvPr/>
+        </p:nvGrpSpPr>
+        <p:grpSpPr>
+          <a:xfrm>
+            <a:off x="0" y="174029"/>
+            <a:ext cx="12192000" cy="3951592"/>
+            <a:chOff x="0" y="174029"/>
+            <a:chExt cx="12192000" cy="3951592"/>
+          </a:xfrm>
+        </p:grpSpPr>
+        <p:pic>
+          <p:nvPicPr>
+            <p:cNvPr id="4" name="Picture 3" descr="A screenshot of a computer program&#10;&#10;AI-generated content may be incorrect.">
+              <a:extLst>
+                <a:ext uri="{FF2B5EF4-FFF2-40B4-BE49-F238E27FC236}">
+                  <a16:creationId xmlns:a16="http://schemas.microsoft.com/office/drawing/2014/main" id="{B2C99D65-0ACE-F528-BF9B-79C7D6D5B908}"/>
+                </a:ext>
+              </a:extLst>
+            </p:cNvPr>
+            <p:cNvPicPr>
+              <a:picLocks noChangeAspect="1"/>
+            </p:cNvPicPr>
+            <p:nvPr/>
+          </p:nvPicPr>
+          <p:blipFill>
+            <a:blip r:embed="rId2"/>
+            <a:stretch>
+              <a:fillRect/>
+            </a:stretch>
+          </p:blipFill>
+          <p:spPr>
+            <a:xfrm>
+              <a:off x="0" y="174029"/>
+              <a:ext cx="12192000" cy="3951592"/>
+            </a:xfrm>
+            <a:prstGeom prst="rect">
+              <a:avLst/>
+            </a:prstGeom>
+            <a:ln>
+              <a:solidFill>
+                <a:schemeClr val="tx1"/>
+              </a:solidFill>
+            </a:ln>
+          </p:spPr>
+        </p:pic>
+        <p:sp>
+          <p:nvSpPr>
+            <p:cNvPr id="8" name="TextBox 7">
+              <a:extLst>
+                <a:ext uri="{FF2B5EF4-FFF2-40B4-BE49-F238E27FC236}">
+                  <a16:creationId xmlns:a16="http://schemas.microsoft.com/office/drawing/2014/main" id="{DE893F44-86C3-1EAF-8396-12463BEEC055}"/>
+                </a:ext>
+              </a:extLst>
+            </p:cNvPr>
+            <p:cNvSpPr txBox="1"/>
+            <p:nvPr/>
+          </p:nvSpPr>
+          <p:spPr>
+            <a:xfrm>
+              <a:off x="5499127" y="2639487"/>
+              <a:ext cx="1987522" cy="369332"/>
+            </a:xfrm>
+            <a:prstGeom prst="rect">
+              <a:avLst/>
+            </a:prstGeom>
+            <a:solidFill>
+              <a:srgbClr val="FFFFA7"/>
+            </a:solidFill>
+            <a:ln>
+              <a:solidFill>
+                <a:schemeClr val="tx1"/>
+              </a:solidFill>
+            </a:ln>
+          </p:spPr>
+          <p:txBody>
+            <a:bodyPr wrap="square" rtlCol="0">
+              <a:spAutoFit/>
+            </a:bodyPr>
+            <a:lstStyle>
+              <a:defPPr>
+                <a:defRPr lang="en-US"/>
+              </a:defPPr>
+              <a:lvl1pPr>
+                <a:defRPr sz="1200"/>
+              </a:lvl1pPr>
+            </a:lstStyle>
+            <a:p>
+              <a:r>
+                <a:rPr lang="en-CA" sz="1800"/>
+                <a:t>Solution time units</a:t>
+              </a:r>
+            </a:p>
+          </p:txBody>
+        </p:sp>
+        <p:sp>
+          <p:nvSpPr>
+            <p:cNvPr id="9" name="TextBox 8">
+              <a:extLst>
+                <a:ext uri="{FF2B5EF4-FFF2-40B4-BE49-F238E27FC236}">
+                  <a16:creationId xmlns:a16="http://schemas.microsoft.com/office/drawing/2014/main" id="{3B88267F-C92A-091E-80B7-E7160CE9F621}"/>
+                </a:ext>
+              </a:extLst>
+            </p:cNvPr>
+            <p:cNvSpPr txBox="1"/>
+            <p:nvPr/>
+          </p:nvSpPr>
+          <p:spPr>
+            <a:xfrm>
+              <a:off x="5632477" y="536649"/>
+              <a:ext cx="1596998" cy="369332"/>
+            </a:xfrm>
+            <a:prstGeom prst="rect">
+              <a:avLst/>
+            </a:prstGeom>
+            <a:solidFill>
+              <a:srgbClr val="FFFFA7"/>
+            </a:solidFill>
+            <a:ln>
+              <a:solidFill>
+                <a:schemeClr val="tx1"/>
+              </a:solidFill>
+            </a:ln>
+          </p:spPr>
+          <p:txBody>
+            <a:bodyPr wrap="square" rtlCol="0">
+              <a:spAutoFit/>
+            </a:bodyPr>
+            <a:lstStyle>
+              <a:defPPr>
+                <a:defRPr lang="en-US"/>
+              </a:defPPr>
+              <a:lvl1pPr>
+                <a:defRPr sz="1200"/>
+              </a:lvl1pPr>
+            </a:lstStyle>
+            <a:p>
+              <a:r>
+                <a:rPr lang="en-CA" sz="1800"/>
+                <a:t>Variable name</a:t>
+              </a:r>
+            </a:p>
+          </p:txBody>
+        </p:sp>
+        <p:sp>
+          <p:nvSpPr>
+            <p:cNvPr id="10" name="TextBox 9">
+              <a:extLst>
+                <a:ext uri="{FF2B5EF4-FFF2-40B4-BE49-F238E27FC236}">
+                  <a16:creationId xmlns:a16="http://schemas.microsoft.com/office/drawing/2014/main" id="{F40E80C4-0051-ECEA-5108-4526A381A582}"/>
+                </a:ext>
+              </a:extLst>
+            </p:cNvPr>
+            <p:cNvSpPr txBox="1"/>
+            <p:nvPr/>
+          </p:nvSpPr>
+          <p:spPr>
+            <a:xfrm>
+              <a:off x="5499127" y="1892017"/>
+              <a:ext cx="2149447" cy="369332"/>
+            </a:xfrm>
+            <a:prstGeom prst="rect">
+              <a:avLst/>
+            </a:prstGeom>
+            <a:solidFill>
+              <a:srgbClr val="FFFFA7"/>
+            </a:solidFill>
+            <a:ln>
+              <a:solidFill>
+                <a:schemeClr val="tx1"/>
+              </a:solidFill>
+            </a:ln>
+          </p:spPr>
+          <p:txBody>
+            <a:bodyPr wrap="square" rtlCol="0">
+              <a:spAutoFit/>
+            </a:bodyPr>
+            <a:lstStyle>
+              <a:defPPr>
+                <a:defRPr lang="en-US"/>
+              </a:defPPr>
+              <a:lvl1pPr>
+                <a:defRPr sz="1200"/>
+              </a:lvl1pPr>
+            </a:lstStyle>
+            <a:p>
+              <a:r>
+                <a:rPr lang="en-CA" sz="1800"/>
+                <a:t>Solution length units</a:t>
+              </a:r>
+            </a:p>
+          </p:txBody>
+        </p:sp>
+        <p:cxnSp>
+          <p:nvCxnSpPr>
+            <p:cNvPr id="11" name="Straight Arrow Connector 10">
+              <a:extLst>
+                <a:ext uri="{FF2B5EF4-FFF2-40B4-BE49-F238E27FC236}">
+                  <a16:creationId xmlns:a16="http://schemas.microsoft.com/office/drawing/2014/main" id="{A87274A3-DE7A-2A57-B920-A8AF6931F4B6}"/>
+                </a:ext>
+              </a:extLst>
+            </p:cNvPr>
+            <p:cNvCxnSpPr>
+              <a:cxnSpLocks/>
+              <a:stCxn id="9" idx="1"/>
+            </p:cNvCxnSpPr>
+            <p:nvPr/>
+          </p:nvCxnSpPr>
+          <p:spPr>
+            <a:xfrm flipH="1" flipV="1">
+              <a:off x="3276600" y="628650"/>
+              <a:ext cx="2355877" cy="92665"/>
+            </a:xfrm>
+            <a:prstGeom prst="straightConnector1">
+              <a:avLst/>
+            </a:prstGeom>
+            <a:ln>
+              <a:solidFill>
+                <a:schemeClr val="tx1"/>
+              </a:solidFill>
+              <a:tailEnd type="triangle"/>
+            </a:ln>
+          </p:spPr>
+          <p:style>
+            <a:lnRef idx="1">
+              <a:schemeClr val="accent1"/>
+            </a:lnRef>
+            <a:fillRef idx="0">
+              <a:schemeClr val="accent1"/>
+            </a:fillRef>
+            <a:effectRef idx="0">
+              <a:schemeClr val="accent1"/>
+            </a:effectRef>
+            <a:fontRef idx="minor">
+              <a:schemeClr val="tx1"/>
+            </a:fontRef>
+          </p:style>
+        </p:cxnSp>
+        <p:cxnSp>
+          <p:nvCxnSpPr>
+            <p:cNvPr id="15" name="Straight Arrow Connector 14">
+              <a:extLst>
+                <a:ext uri="{FF2B5EF4-FFF2-40B4-BE49-F238E27FC236}">
+                  <a16:creationId xmlns:a16="http://schemas.microsoft.com/office/drawing/2014/main" id="{5D3A2687-0A78-EAA6-3D78-FDB60D7B9A6E}"/>
+                </a:ext>
+              </a:extLst>
+            </p:cNvPr>
+            <p:cNvCxnSpPr>
+              <a:cxnSpLocks/>
+              <a:stCxn id="10" idx="1"/>
+            </p:cNvCxnSpPr>
+            <p:nvPr/>
+          </p:nvCxnSpPr>
+          <p:spPr>
+            <a:xfrm flipH="1">
+              <a:off x="4286250" y="2076683"/>
+              <a:ext cx="1212877" cy="184666"/>
+            </a:xfrm>
+            <a:prstGeom prst="straightConnector1">
+              <a:avLst/>
+            </a:prstGeom>
+            <a:ln>
+              <a:solidFill>
+                <a:schemeClr val="tx1"/>
+              </a:solidFill>
+              <a:tailEnd type="triangle"/>
+            </a:ln>
+          </p:spPr>
+          <p:style>
+            <a:lnRef idx="1">
+              <a:schemeClr val="accent1"/>
+            </a:lnRef>
+            <a:fillRef idx="0">
+              <a:schemeClr val="accent1"/>
+            </a:fillRef>
+            <a:effectRef idx="0">
+              <a:schemeClr val="accent1"/>
+            </a:effectRef>
+            <a:fontRef idx="minor">
+              <a:schemeClr val="tx1"/>
+            </a:fontRef>
+          </p:style>
+        </p:cxnSp>
+        <p:cxnSp>
+          <p:nvCxnSpPr>
+            <p:cNvPr id="16" name="Straight Arrow Connector 15">
+              <a:extLst>
+                <a:ext uri="{FF2B5EF4-FFF2-40B4-BE49-F238E27FC236}">
+                  <a16:creationId xmlns:a16="http://schemas.microsoft.com/office/drawing/2014/main" id="{13A4DBAB-B6A4-B0F5-5DCA-32F702BC2FBA}"/>
+                </a:ext>
+              </a:extLst>
+            </p:cNvPr>
+            <p:cNvCxnSpPr>
+              <a:cxnSpLocks/>
+              <a:stCxn id="8" idx="1"/>
+            </p:cNvCxnSpPr>
+            <p:nvPr/>
+          </p:nvCxnSpPr>
+          <p:spPr>
+            <a:xfrm flipH="1">
+              <a:off x="4095750" y="2824153"/>
+              <a:ext cx="1403377" cy="80972"/>
+            </a:xfrm>
+            <a:prstGeom prst="straightConnector1">
+              <a:avLst/>
+            </a:prstGeom>
+            <a:ln>
+              <a:solidFill>
+                <a:schemeClr val="tx1"/>
+              </a:solidFill>
+              <a:tailEnd type="triangle"/>
+            </a:ln>
+          </p:spPr>
+          <p:style>
+            <a:lnRef idx="1">
+              <a:schemeClr val="accent1"/>
+            </a:lnRef>
+            <a:fillRef idx="0">
+              <a:schemeClr val="accent1"/>
+            </a:fillRef>
+            <a:effectRef idx="0">
+              <a:schemeClr val="accent1"/>
+            </a:effectRef>
+            <a:fontRef idx="minor">
+              <a:schemeClr val="tx1"/>
+            </a:fontRef>
+          </p:style>
+        </p:cxnSp>
+        <p:sp>
+          <p:nvSpPr>
+            <p:cNvPr id="21" name="TextBox 20">
+              <a:extLst>
+                <a:ext uri="{FF2B5EF4-FFF2-40B4-BE49-F238E27FC236}">
+                  <a16:creationId xmlns:a16="http://schemas.microsoft.com/office/drawing/2014/main" id="{7D9C74E7-7DA4-1496-7151-47E4488E95B1}"/>
+                </a:ext>
+              </a:extLst>
+            </p:cNvPr>
+            <p:cNvSpPr txBox="1"/>
+            <p:nvPr/>
+          </p:nvSpPr>
+          <p:spPr>
+            <a:xfrm>
+              <a:off x="7896265" y="2270155"/>
+              <a:ext cx="1987522" cy="369332"/>
+            </a:xfrm>
+            <a:prstGeom prst="rect">
+              <a:avLst/>
+            </a:prstGeom>
+            <a:solidFill>
+              <a:srgbClr val="FFFFA7"/>
+            </a:solidFill>
+            <a:ln>
+              <a:solidFill>
+                <a:schemeClr val="tx1"/>
+              </a:solidFill>
+            </a:ln>
+          </p:spPr>
+          <p:txBody>
+            <a:bodyPr wrap="square" rtlCol="0">
+              <a:spAutoFit/>
+            </a:bodyPr>
+            <a:lstStyle>
+              <a:defPPr>
+                <a:defRPr lang="en-US"/>
+              </a:defPPr>
+              <a:lvl1pPr>
+                <a:defRPr sz="1200"/>
+              </a:lvl1pPr>
+            </a:lstStyle>
+            <a:p>
+              <a:r>
+                <a:rPr lang="en-CA" sz="1800"/>
+                <a:t>MUT Version</a:t>
+              </a:r>
+            </a:p>
+          </p:txBody>
+        </p:sp>
+        <p:cxnSp>
+          <p:nvCxnSpPr>
+            <p:cNvPr id="22" name="Straight Arrow Connector 21">
+              <a:extLst>
+                <a:ext uri="{FF2B5EF4-FFF2-40B4-BE49-F238E27FC236}">
+                  <a16:creationId xmlns:a16="http://schemas.microsoft.com/office/drawing/2014/main" id="{5C01BD5A-6447-BD06-58A4-F966062B7DBB}"/>
+                </a:ext>
+              </a:extLst>
+            </p:cNvPr>
+            <p:cNvCxnSpPr>
+              <a:cxnSpLocks/>
+              <a:stCxn id="21" idx="1"/>
+            </p:cNvCxnSpPr>
+            <p:nvPr/>
+          </p:nvCxnSpPr>
+          <p:spPr>
+            <a:xfrm flipH="1">
+              <a:off x="5353050" y="2454821"/>
+              <a:ext cx="2543215" cy="80972"/>
+            </a:xfrm>
+            <a:prstGeom prst="straightConnector1">
+              <a:avLst/>
+            </a:prstGeom>
+            <a:ln>
+              <a:solidFill>
+                <a:schemeClr val="tx1"/>
+              </a:solidFill>
+              <a:tailEnd type="triangle"/>
+            </a:ln>
+          </p:spPr>
+          <p:style>
+            <a:lnRef idx="1">
+              <a:schemeClr val="accent1"/>
+            </a:lnRef>
+            <a:fillRef idx="0">
+              <a:schemeClr val="accent1"/>
+            </a:fillRef>
+            <a:effectRef idx="0">
+              <a:schemeClr val="accent1"/>
+            </a:effectRef>
+            <a:fontRef idx="minor">
+              <a:schemeClr val="tx1"/>
+            </a:fontRef>
+          </p:style>
+        </p:cxnSp>
+        <p:sp>
+          <p:nvSpPr>
+            <p:cNvPr id="25" name="TextBox 24">
+              <a:extLst>
+                <a:ext uri="{FF2B5EF4-FFF2-40B4-BE49-F238E27FC236}">
+                  <a16:creationId xmlns:a16="http://schemas.microsoft.com/office/drawing/2014/main" id="{C3E78FA6-8F94-FB4B-DB6B-FF681C06ED95}"/>
+                </a:ext>
+              </a:extLst>
+            </p:cNvPr>
+            <p:cNvSpPr txBox="1"/>
+            <p:nvPr/>
+          </p:nvSpPr>
+          <p:spPr>
+            <a:xfrm>
+              <a:off x="6154751" y="959881"/>
+              <a:ext cx="2149447" cy="369332"/>
+            </a:xfrm>
+            <a:prstGeom prst="rect">
+              <a:avLst/>
+            </a:prstGeom>
+            <a:solidFill>
+              <a:srgbClr val="FFFFA7"/>
+            </a:solidFill>
+            <a:ln>
+              <a:solidFill>
+                <a:schemeClr val="tx1"/>
+              </a:solidFill>
+            </a:ln>
+          </p:spPr>
+          <p:txBody>
+            <a:bodyPr wrap="square" rtlCol="0">
+              <a:spAutoFit/>
+            </a:bodyPr>
+            <a:lstStyle>
+              <a:defPPr>
+                <a:defRPr lang="en-US"/>
+              </a:defPPr>
+              <a:lvl1pPr>
+                <a:defRPr sz="1200"/>
+              </a:lvl1pPr>
+            </a:lstStyle>
+            <a:p>
+              <a:r>
+                <a:rPr lang="en-CA" sz="1800"/>
+                <a:t>Solution time</a:t>
+              </a:r>
+            </a:p>
+          </p:txBody>
+        </p:sp>
+        <p:cxnSp>
+          <p:nvCxnSpPr>
+            <p:cNvPr id="26" name="Straight Arrow Connector 25">
+              <a:extLst>
+                <a:ext uri="{FF2B5EF4-FFF2-40B4-BE49-F238E27FC236}">
+                  <a16:creationId xmlns:a16="http://schemas.microsoft.com/office/drawing/2014/main" id="{FBF52E20-605B-AE93-53CF-612A8A1323C5}"/>
+                </a:ext>
+              </a:extLst>
+            </p:cNvPr>
+            <p:cNvCxnSpPr>
+              <a:cxnSpLocks/>
+              <a:stCxn id="25" idx="1"/>
+            </p:cNvCxnSpPr>
+            <p:nvPr/>
+          </p:nvCxnSpPr>
+          <p:spPr>
+            <a:xfrm flipH="1">
+              <a:off x="4371975" y="1144547"/>
+              <a:ext cx="1782776" cy="49794"/>
+            </a:xfrm>
+            <a:prstGeom prst="straightConnector1">
+              <a:avLst/>
+            </a:prstGeom>
+            <a:ln>
+              <a:solidFill>
+                <a:schemeClr val="tx1"/>
+              </a:solidFill>
+              <a:tailEnd type="triangle"/>
+            </a:ln>
+          </p:spPr>
+          <p:style>
+            <a:lnRef idx="1">
+              <a:schemeClr val="accent1"/>
+            </a:lnRef>
+            <a:fillRef idx="0">
+              <a:schemeClr val="accent1"/>
+            </a:fillRef>
+            <a:effectRef idx="0">
+              <a:schemeClr val="accent1"/>
+            </a:effectRef>
+            <a:fontRef idx="minor">
+              <a:schemeClr val="tx1"/>
+            </a:fontRef>
+          </p:style>
+        </p:cxnSp>
+        <p:sp>
+          <p:nvSpPr>
+            <p:cNvPr id="28" name="TextBox 27">
+              <a:extLst>
+                <a:ext uri="{FF2B5EF4-FFF2-40B4-BE49-F238E27FC236}">
+                  <a16:creationId xmlns:a16="http://schemas.microsoft.com/office/drawing/2014/main" id="{B2FF3F91-8753-D1F9-7AC0-46334D463B56}"/>
+                </a:ext>
+              </a:extLst>
+            </p:cNvPr>
+            <p:cNvSpPr txBox="1"/>
+            <p:nvPr/>
+          </p:nvSpPr>
+          <p:spPr>
+            <a:xfrm>
+              <a:off x="10336266" y="3202291"/>
+              <a:ext cx="1731909" cy="923330"/>
+            </a:xfrm>
+            <a:prstGeom prst="rect">
+              <a:avLst/>
+            </a:prstGeom>
+            <a:solidFill>
+              <a:srgbClr val="FFFFA7"/>
+            </a:solidFill>
+            <a:ln>
+              <a:solidFill>
+                <a:schemeClr val="tx1"/>
+              </a:solidFill>
+            </a:ln>
+          </p:spPr>
+          <p:txBody>
+            <a:bodyPr wrap="square" rtlCol="0">
+              <a:spAutoFit/>
+            </a:bodyPr>
+            <a:lstStyle>
+              <a:defPPr>
+                <a:defRPr lang="en-US"/>
+              </a:defPPr>
+              <a:lvl1pPr>
+                <a:defRPr sz="1200"/>
+              </a:lvl1pPr>
+            </a:lstStyle>
+            <a:p>
+              <a:r>
+                <a:rPr lang="en-CA" sz="1800"/>
+                <a:t>Start of block formatted head data</a:t>
+              </a:r>
+            </a:p>
+          </p:txBody>
+        </p:sp>
+      </p:grpSp>
+    </p:spTree>
+    <p:extLst>
+      <p:ext uri="{BB962C8B-B14F-4D97-AF65-F5344CB8AC3E}">
+        <p14:creationId xmlns:p14="http://schemas.microsoft.com/office/powerpoint/2010/main" val="464252281"/>
+      </p:ext>
+    </p:extLst>
+  </p:cSld>
+  <p:clrMapOvr>
+    <a:masterClrMapping/>
+  </p:clrMapOvr>
+</p:sld>
+</file>
+
+<file path=ppt/slides/slide13.xml><?xml version="1.0" encoding="utf-8"?>
+<p:sld xmlns:a="http://schemas.openxmlformats.org/drawingml/2006/main" xmlns:r="http://schemas.openxmlformats.org/officeDocument/2006/relationships" xmlns:p="http://schemas.openxmlformats.org/presentationml/2006/main">
+  <p:cSld>
+    <p:spTree>
+      <p:nvGrpSpPr>
+        <p:cNvPr id="1" name=""/>
+        <p:cNvGrpSpPr/>
+        <p:nvPr/>
+      </p:nvGrpSpPr>
+      <p:grpSpPr>
+        <a:xfrm>
+          <a:off x="0" y="0"/>
+          <a:ext cx="0" cy="0"/>
+          <a:chOff x="0" y="0"/>
+          <a:chExt cx="0" cy="0"/>
+        </a:xfrm>
+      </p:grpSpPr>
+      <p:sp>
+        <p:nvSpPr>
+          <p:cNvPr id="2" name="Title 1">
+            <a:extLst>
+              <a:ext uri="{FF2B5EF4-FFF2-40B4-BE49-F238E27FC236}">
+                <a16:creationId xmlns:a16="http://schemas.microsoft.com/office/drawing/2014/main" id="{756C696F-D719-A77E-937E-A0CF6B5C7C10}"/>
+              </a:ext>
+            </a:extLst>
+          </p:cNvPr>
+          <p:cNvSpPr>
+            <a:spLocks noGrp="1"/>
+          </p:cNvSpPr>
+          <p:nvPr>
+            <p:ph type="title"/>
+          </p:nvPr>
+        </p:nvSpPr>
+        <p:spPr/>
+        <p:txBody>
+          <a:bodyPr>
+            <a:normAutofit fontScale="90000"/>
+          </a:bodyPr>
+          <a:lstStyle/>
+          <a:p>
+            <a:r>
+              <a:rPr lang="en-US"/>
+              <a:t>MUT_ObsPoints.png</a:t>
+            </a:r>
+            <a:endParaRPr lang="en-CA"/>
+          </a:p>
+        </p:txBody>
+      </p:sp>
+      <p:grpSp>
+        <p:nvGrpSpPr>
+          <p:cNvPr id="6" name="Group 5">
+            <a:extLst>
+              <a:ext uri="{FF2B5EF4-FFF2-40B4-BE49-F238E27FC236}">
+                <a16:creationId xmlns:a16="http://schemas.microsoft.com/office/drawing/2014/main" id="{12C0F57B-8926-DA24-1FDC-2908BB6EB256}"/>
+              </a:ext>
+            </a:extLst>
+          </p:cNvPr>
+          <p:cNvGrpSpPr/>
+          <p:nvPr/>
+        </p:nvGrpSpPr>
+        <p:grpSpPr>
+          <a:xfrm>
+            <a:off x="0" y="276225"/>
+            <a:ext cx="12192000" cy="4706007"/>
+            <a:chOff x="0" y="276225"/>
+            <a:chExt cx="12192000" cy="4706007"/>
+          </a:xfrm>
+        </p:grpSpPr>
+        <p:pic>
+          <p:nvPicPr>
+            <p:cNvPr id="4" name="Picture 3" descr="A screenshot of a computer&#10;&#10;AI-generated content may be incorrect.">
+              <a:extLst>
+                <a:ext uri="{FF2B5EF4-FFF2-40B4-BE49-F238E27FC236}">
+                  <a16:creationId xmlns:a16="http://schemas.microsoft.com/office/drawing/2014/main" id="{B8CBA444-9858-2573-5D7A-3A4F58CFB474}"/>
+                </a:ext>
+              </a:extLst>
+            </p:cNvPr>
+            <p:cNvPicPr>
+              <a:picLocks noChangeAspect="1"/>
+            </p:cNvPicPr>
+            <p:nvPr/>
+          </p:nvPicPr>
+          <p:blipFill>
+            <a:blip r:embed="rId2"/>
+            <a:stretch>
+              <a:fillRect/>
+            </a:stretch>
+          </p:blipFill>
+          <p:spPr>
+            <a:xfrm>
+              <a:off x="0" y="276225"/>
+              <a:ext cx="10202699" cy="4706007"/>
+            </a:xfrm>
+            <a:prstGeom prst="rect">
+              <a:avLst/>
+            </a:prstGeom>
+            <a:ln>
+              <a:solidFill>
+                <a:schemeClr val="tx1"/>
+              </a:solidFill>
+            </a:ln>
+          </p:spPr>
+        </p:pic>
+        <p:sp>
+          <p:nvSpPr>
+            <p:cNvPr id="5" name="TextBox 4">
+              <a:extLst>
+                <a:ext uri="{FF2B5EF4-FFF2-40B4-BE49-F238E27FC236}">
+                  <a16:creationId xmlns:a16="http://schemas.microsoft.com/office/drawing/2014/main" id="{C76F4014-040C-4723-B0A7-2D43FE8B6B67}"/>
+                </a:ext>
+              </a:extLst>
+            </p:cNvPr>
+            <p:cNvSpPr txBox="1"/>
+            <p:nvPr/>
+          </p:nvSpPr>
+          <p:spPr>
+            <a:xfrm>
+              <a:off x="0" y="276225"/>
+              <a:ext cx="12192000" cy="369332"/>
+            </a:xfrm>
+            <a:prstGeom prst="rect">
+              <a:avLst/>
+            </a:prstGeom>
+            <a:noFill/>
+          </p:spPr>
+          <p:txBody>
+            <a:bodyPr wrap="square" rtlCol="0">
+              <a:spAutoFit/>
+            </a:bodyPr>
+            <a:lstStyle/>
+            <a:p>
+              <a:r>
+                <a:rPr lang="en-US"/>
+                <a:t> </a:t>
+              </a:r>
+              <a:endParaRPr lang="en-CA"/>
+            </a:p>
+          </p:txBody>
+        </p:sp>
+      </p:grpSp>
+    </p:spTree>
+    <p:extLst>
+      <p:ext uri="{BB962C8B-B14F-4D97-AF65-F5344CB8AC3E}">
+        <p14:creationId xmlns:p14="http://schemas.microsoft.com/office/powerpoint/2010/main" val="348940329"/>
+      </p:ext>
+    </p:extLst>
+  </p:cSld>
+  <p:clrMapOvr>
+    <a:masterClrMapping/>
+  </p:clrMapOvr>
+</p:sld>
+</file>
+
+<file path=ppt/slides/slide14.xml><?xml version="1.0" encoding="utf-8"?>
 <p:sld xmlns:a="http://schemas.openxmlformats.org/drawingml/2006/main" xmlns:r="http://schemas.openxmlformats.org/officeDocument/2006/relationships" xmlns:p="http://schemas.openxmlformats.org/presentationml/2006/main">
   <p:cSld>
     <p:spTree>
@@ -7247,4 +8502,299 @@
     </a:ext>
   </a:extLst>
 </a:theme>
+</file>
+
+<file path=ppt/theme/theme2.xml><?xml version="1.0" encoding="utf-8"?>
+<a:theme xmlns:a="http://schemas.openxmlformats.org/drawingml/2006/main" name="Office Theme">
+  <a:themeElements>
+    <a:clrScheme name="Office">
+      <a:dk1>
+        <a:sysClr val="windowText" lastClr="000000"/>
+      </a:dk1>
+      <a:lt1>
+        <a:sysClr val="window" lastClr="FFFFFF"/>
+      </a:lt1>
+      <a:dk2>
+        <a:srgbClr val="44546A"/>
+      </a:dk2>
+      <a:lt2>
+        <a:srgbClr val="E7E6E6"/>
+      </a:lt2>
+      <a:accent1>
+        <a:srgbClr val="4472C4"/>
+      </a:accent1>
+      <a:accent2>
+        <a:srgbClr val="ED7D31"/>
+      </a:accent2>
+      <a:accent3>
+        <a:srgbClr val="A5A5A5"/>
+      </a:accent3>
+      <a:accent4>
+        <a:srgbClr val="FFC000"/>
+      </a:accent4>
+      <a:accent5>
+        <a:srgbClr val="5B9BD5"/>
+      </a:accent5>
+      <a:accent6>
+        <a:srgbClr val="70AD47"/>
+      </a:accent6>
+      <a:hlink>
+        <a:srgbClr val="0563C1"/>
+      </a:hlink>
+      <a:folHlink>
+        <a:srgbClr val="954F72"/>
+      </a:folHlink>
+    </a:clrScheme>
+    <a:fontScheme name="Office">
+      <a:majorFont>
+        <a:latin typeface="Calibri Light" panose="020F0302020204030204"/>
+        <a:ea typeface=""/>
+        <a:cs typeface=""/>
+        <a:font script="Jpan" typeface="游ゴシック Light"/>
+        <a:font script="Hang" typeface="맑은 고딕"/>
+        <a:font script="Hans" typeface="等线 Light"/>
+        <a:font script="Hant" typeface="新細明體"/>
+        <a:font script="Arab" typeface="Times New Roman"/>
+        <a:font script="Hebr" typeface="Times New Roman"/>
+        <a:font script="Thai" typeface="Angsana New"/>
+        <a:font script="Ethi" typeface="Nyala"/>
+        <a:font script="Beng" typeface="Vrinda"/>
+        <a:font script="Gujr" typeface="Shruti"/>
+        <a:font script="Khmr" typeface="MoolBoran"/>
+        <a:font script="Knda" typeface="Tunga"/>
+        <a:font script="Guru" typeface="Raavi"/>
+        <a:font script="Cans" typeface="Euphemia"/>
+        <a:font script="Cher" typeface="Plantagenet Cherokee"/>
+        <a:font script="Yiii" typeface="Microsoft Yi Baiti"/>
+        <a:font script="Tibt" typeface="Microsoft Himalaya"/>
+        <a:font script="Thaa" typeface="MV Boli"/>
+        <a:font script="Deva" typeface="Mangal"/>
+        <a:font script="Telu" typeface="Gautami"/>
+        <a:font script="Taml" typeface="Latha"/>
+        <a:font script="Syrc" typeface="Estrangelo Edessa"/>
+        <a:font script="Orya" typeface="Kalinga"/>
+        <a:font script="Mlym" typeface="Kartika"/>
+        <a:font script="Laoo" typeface="DokChampa"/>
+        <a:font script="Sinh" typeface="Iskoola Pota"/>
+        <a:font script="Mong" typeface="Mongolian Baiti"/>
+        <a:font script="Viet" typeface="Times New Roman"/>
+        <a:font script="Uigh" typeface="Microsoft Uighur"/>
+        <a:font script="Geor" typeface="Sylfaen"/>
+        <a:font script="Armn" typeface="Arial"/>
+        <a:font script="Bugi" typeface="Leelawadee UI"/>
+        <a:font script="Bopo" typeface="Microsoft JhengHei"/>
+        <a:font script="Java" typeface="Javanese Text"/>
+        <a:font script="Lisu" typeface="Segoe UI"/>
+        <a:font script="Mymr" typeface="Myanmar Text"/>
+        <a:font script="Nkoo" typeface="Ebrima"/>
+        <a:font script="Olck" typeface="Nirmala UI"/>
+        <a:font script="Osma" typeface="Ebrima"/>
+        <a:font script="Phag" typeface="Phagspa"/>
+        <a:font script="Syrn" typeface="Estrangelo Edessa"/>
+        <a:font script="Syrj" typeface="Estrangelo Edessa"/>
+        <a:font script="Syre" typeface="Estrangelo Edessa"/>
+        <a:font script="Sora" typeface="Nirmala UI"/>
+        <a:font script="Tale" typeface="Microsoft Tai Le"/>
+        <a:font script="Talu" typeface="Microsoft New Tai Lue"/>
+        <a:font script="Tfng" typeface="Ebrima"/>
+      </a:majorFont>
+      <a:minorFont>
+        <a:latin typeface="Calibri" panose="020F0502020204030204"/>
+        <a:ea typeface=""/>
+        <a:cs typeface=""/>
+        <a:font script="Jpan" typeface="游ゴシック"/>
+        <a:font script="Hang" typeface="맑은 고딕"/>
+        <a:font script="Hans" typeface="等线"/>
+        <a:font script="Hant" typeface="新細明體"/>
+        <a:font script="Arab" typeface="Arial"/>
+        <a:font script="Hebr" typeface="Arial"/>
+        <a:font script="Thai" typeface="Cordia New"/>
+        <a:font script="Ethi" typeface="Nyala"/>
+        <a:font script="Beng" typeface="Vrinda"/>
+        <a:font script="Gujr" typeface="Shruti"/>
+        <a:font script="Khmr" typeface="DaunPenh"/>
+        <a:font script="Knda" typeface="Tunga"/>
+        <a:font script="Guru" typeface="Raavi"/>
+        <a:font script="Cans" typeface="Euphemia"/>
+        <a:font script="Cher" typeface="Plantagenet Cherokee"/>
+        <a:font script="Yiii" typeface="Microsoft Yi Baiti"/>
+        <a:font script="Tibt" typeface="Microsoft Himalaya"/>
+        <a:font script="Thaa" typeface="MV Boli"/>
+        <a:font script="Deva" typeface="Mangal"/>
+        <a:font script="Telu" typeface="Gautami"/>
+        <a:font script="Taml" typeface="Latha"/>
+        <a:font script="Syrc" typeface="Estrangelo Edessa"/>
+        <a:font script="Orya" typeface="Kalinga"/>
+        <a:font script="Mlym" typeface="Kartika"/>
+        <a:font script="Laoo" typeface="DokChampa"/>
+        <a:font script="Sinh" typeface="Iskoola Pota"/>
+        <a:font script="Mong" typeface="Mongolian Baiti"/>
+        <a:font script="Viet" typeface="Arial"/>
+        <a:font script="Uigh" typeface="Microsoft Uighur"/>
+        <a:font script="Geor" typeface="Sylfaen"/>
+        <a:font script="Armn" typeface="Arial"/>
+        <a:font script="Bugi" typeface="Leelawadee UI"/>
+        <a:font script="Bopo" typeface="Microsoft JhengHei"/>
+        <a:font script="Java" typeface="Javanese Text"/>
+        <a:font script="Lisu" typeface="Segoe UI"/>
+        <a:font script="Mymr" typeface="Myanmar Text"/>
+        <a:font script="Nkoo" typeface="Ebrima"/>
+        <a:font script="Olck" typeface="Nirmala UI"/>
+        <a:font script="Osma" typeface="Ebrima"/>
+        <a:font script="Phag" typeface="Phagspa"/>
+        <a:font script="Syrn" typeface="Estrangelo Edessa"/>
+        <a:font script="Syrj" typeface="Estrangelo Edessa"/>
+        <a:font script="Syre" typeface="Estrangelo Edessa"/>
+        <a:font script="Sora" typeface="Nirmala UI"/>
+        <a:font script="Tale" typeface="Microsoft Tai Le"/>
+        <a:font script="Talu" typeface="Microsoft New Tai Lue"/>
+        <a:font script="Tfng" typeface="Ebrima"/>
+      </a:minorFont>
+    </a:fontScheme>
+    <a:fmtScheme name="Office">
+      <a:fillStyleLst>
+        <a:solidFill>
+          <a:schemeClr val="phClr"/>
+        </a:solidFill>
+        <a:gradFill rotWithShape="1">
+          <a:gsLst>
+            <a:gs pos="0">
+              <a:schemeClr val="phClr">
+                <a:lumMod val="110000"/>
+                <a:satMod val="105000"/>
+                <a:tint val="67000"/>
+              </a:schemeClr>
+            </a:gs>
+            <a:gs pos="50000">
+              <a:schemeClr val="phClr">
+                <a:lumMod val="105000"/>
+                <a:satMod val="103000"/>
+                <a:tint val="73000"/>
+              </a:schemeClr>
+            </a:gs>
+            <a:gs pos="100000">
+              <a:schemeClr val="phClr">
+                <a:lumMod val="105000"/>
+                <a:satMod val="109000"/>
+                <a:tint val="81000"/>
+              </a:schemeClr>
+            </a:gs>
+          </a:gsLst>
+          <a:lin ang="5400000" scaled="0"/>
+        </a:gradFill>
+        <a:gradFill rotWithShape="1">
+          <a:gsLst>
+            <a:gs pos="0">
+              <a:schemeClr val="phClr">
+                <a:satMod val="103000"/>
+                <a:lumMod val="102000"/>
+                <a:tint val="94000"/>
+              </a:schemeClr>
+            </a:gs>
+            <a:gs pos="50000">
+              <a:schemeClr val="phClr">
+                <a:satMod val="110000"/>
+                <a:lumMod val="100000"/>
+                <a:shade val="100000"/>
+              </a:schemeClr>
+            </a:gs>
+            <a:gs pos="100000">
+              <a:schemeClr val="phClr">
+                <a:lumMod val="99000"/>
+                <a:satMod val="120000"/>
+                <a:shade val="78000"/>
+              </a:schemeClr>
+            </a:gs>
+          </a:gsLst>
+          <a:lin ang="5400000" scaled="0"/>
+        </a:gradFill>
+      </a:fillStyleLst>
+      <a:lnStyleLst>
+        <a:ln w="6350" cap="flat" cmpd="sng" algn="ctr">
+          <a:solidFill>
+            <a:schemeClr val="phClr"/>
+          </a:solidFill>
+          <a:prstDash val="solid"/>
+          <a:miter lim="800000"/>
+        </a:ln>
+        <a:ln w="12700" cap="flat" cmpd="sng" algn="ctr">
+          <a:solidFill>
+            <a:schemeClr val="phClr"/>
+          </a:solidFill>
+          <a:prstDash val="solid"/>
+          <a:miter lim="800000"/>
+        </a:ln>
+        <a:ln w="19050" cap="flat" cmpd="sng" algn="ctr">
+          <a:solidFill>
+            <a:schemeClr val="phClr"/>
+          </a:solidFill>
+          <a:prstDash val="solid"/>
+          <a:miter lim="800000"/>
+        </a:ln>
+      </a:lnStyleLst>
+      <a:effectStyleLst>
+        <a:effectStyle>
+          <a:effectLst/>
+        </a:effectStyle>
+        <a:effectStyle>
+          <a:effectLst/>
+        </a:effectStyle>
+        <a:effectStyle>
+          <a:effectLst>
+            <a:outerShdw blurRad="57150" dist="19050" dir="5400000" algn="ctr" rotWithShape="0">
+              <a:srgbClr val="000000">
+                <a:alpha val="63000"/>
+              </a:srgbClr>
+            </a:outerShdw>
+          </a:effectLst>
+        </a:effectStyle>
+      </a:effectStyleLst>
+      <a:bgFillStyleLst>
+        <a:solidFill>
+          <a:schemeClr val="phClr"/>
+        </a:solidFill>
+        <a:solidFill>
+          <a:schemeClr val="phClr">
+            <a:tint val="95000"/>
+            <a:satMod val="170000"/>
+          </a:schemeClr>
+        </a:solidFill>
+        <a:gradFill rotWithShape="1">
+          <a:gsLst>
+            <a:gs pos="0">
+              <a:schemeClr val="phClr">
+                <a:tint val="93000"/>
+                <a:satMod val="150000"/>
+                <a:shade val="98000"/>
+                <a:lumMod val="102000"/>
+              </a:schemeClr>
+            </a:gs>
+            <a:gs pos="50000">
+              <a:schemeClr val="phClr">
+                <a:tint val="98000"/>
+                <a:satMod val="130000"/>
+                <a:shade val="90000"/>
+                <a:lumMod val="103000"/>
+              </a:schemeClr>
+            </a:gs>
+            <a:gs pos="100000">
+              <a:schemeClr val="phClr">
+                <a:shade val="63000"/>
+                <a:satMod val="120000"/>
+              </a:schemeClr>
+            </a:gs>
+          </a:gsLst>
+          <a:lin ang="5400000" scaled="0"/>
+        </a:gradFill>
+      </a:bgFillStyleLst>
+    </a:fmtScheme>
+  </a:themeElements>
+  <a:objectDefaults/>
+  <a:extraClrSchemeLst/>
+  <a:extLst>
+    <a:ext uri="{05A4C25C-085E-4340-85A3-A5531E510DB2}">
+      <thm15:themeFamily xmlns:thm15="http://schemas.microsoft.com/office/thememl/2012/main" name="Office Theme" id="{62F939B6-93AF-4DB8-9C6B-D6C7DFDC589F}" vid="{4A3C46E8-61CC-4603-A589-7422A47A8E4A}"/>
+    </a:ext>
+  </a:extLst>
+</a:theme>
 </file>